--- a/Diaporama.pptx
+++ b/Diaporama.pptx
@@ -6,7 +6,9 @@
   </p:sldMasterIdLst>
   <p:sldIdLst>
     <p:sldId id="256" r:id="rId2"/>
-    <p:sldId id="257" r:id="rId3"/>
+    <p:sldId id="258" r:id="rId3"/>
+    <p:sldId id="257" r:id="rId4"/>
+    <p:sldId id="259" r:id="rId5"/>
   </p:sldIdLst>
   <p:sldSz cx="12192000" cy="6858000"/>
   <p:notesSz cx="6858000" cy="9144000"/>
@@ -3403,7 +3405,83 @@
           <a:bodyPr/>
           <a:lstStyle/>
           <a:p>
-            <a:endParaRPr lang="fr-FR"/>
+            <a:r>
+              <a:rPr lang="fr-FR" dirty="0" smtClean="0"/>
+              <a:t>Introduction</a:t>
+            </a:r>
+            <a:endParaRPr lang="fr-FR" dirty="0"/>
+          </a:p>
+        </p:txBody>
+      </p:sp>
+      <p:sp>
+        <p:nvSpPr>
+          <p:cNvPr id="3" name="Espace réservé du contenu 2"/>
+          <p:cNvSpPr>
+            <a:spLocks noGrp="1"/>
+          </p:cNvSpPr>
+          <p:nvPr>
+            <p:ph idx="1"/>
+          </p:nvPr>
+        </p:nvSpPr>
+        <p:spPr/>
+        <p:txBody>
+          <a:bodyPr/>
+          <a:lstStyle/>
+          <a:p>
+            <a:endParaRPr lang="fr-FR"/>
+          </a:p>
+        </p:txBody>
+      </p:sp>
+    </p:spTree>
+    <p:extLst>
+      <p:ext uri="{BB962C8B-B14F-4D97-AF65-F5344CB8AC3E}">
+        <p14:creationId xmlns:p14="http://schemas.microsoft.com/office/powerpoint/2010/main" val="968354959"/>
+      </p:ext>
+    </p:extLst>
+  </p:cSld>
+  <p:clrMapOvr>
+    <a:masterClrMapping/>
+  </p:clrMapOvr>
+</p:sld>
+</file>
+
+<file path=ppt/slides/slide3.xml><?xml version="1.0" encoding="utf-8"?>
+<p:sld xmlns:a="http://schemas.openxmlformats.org/drawingml/2006/main" xmlns:r="http://schemas.openxmlformats.org/officeDocument/2006/relationships" xmlns:p="http://schemas.openxmlformats.org/presentationml/2006/main">
+  <p:cSld>
+    <p:spTree>
+      <p:nvGrpSpPr>
+        <p:cNvPr id="1" name=""/>
+        <p:cNvGrpSpPr/>
+        <p:nvPr/>
+      </p:nvGrpSpPr>
+      <p:grpSpPr>
+        <a:xfrm>
+          <a:off x="0" y="0"/>
+          <a:ext cx="0" cy="0"/>
+          <a:chOff x="0" y="0"/>
+          <a:chExt cx="0" cy="0"/>
+        </a:xfrm>
+      </p:grpSpPr>
+      <p:sp>
+        <p:nvSpPr>
+          <p:cNvPr id="2" name="Titre 1"/>
+          <p:cNvSpPr>
+            <a:spLocks noGrp="1"/>
+          </p:cNvSpPr>
+          <p:nvPr>
+            <p:ph type="title"/>
+          </p:nvPr>
+        </p:nvSpPr>
+        <p:spPr/>
+        <p:txBody>
+          <a:bodyPr/>
+          <a:lstStyle/>
+          <a:p>
+            <a:r>
+              <a:rPr lang="fr-FR" dirty="0" smtClean="0"/>
+              <a:t>I. Une démarche tournée vers l’efficacité</a:t>
+            </a:r>
+            <a:endParaRPr lang="fr-FR" dirty="0"/>
           </a:p>
         </p:txBody>
       </p:sp>
@@ -3443,6 +3521,82 @@
       </p:par>
     </p:tnLst>
   </p:timing>
+</p:sld>
+</file>
+
+<file path=ppt/slides/slide4.xml><?xml version="1.0" encoding="utf-8"?>
+<p:sld xmlns:a="http://schemas.openxmlformats.org/drawingml/2006/main" xmlns:r="http://schemas.openxmlformats.org/officeDocument/2006/relationships" xmlns:p="http://schemas.openxmlformats.org/presentationml/2006/main">
+  <p:cSld>
+    <p:spTree>
+      <p:nvGrpSpPr>
+        <p:cNvPr id="1" name=""/>
+        <p:cNvGrpSpPr/>
+        <p:nvPr/>
+      </p:nvGrpSpPr>
+      <p:grpSpPr>
+        <a:xfrm>
+          <a:off x="0" y="0"/>
+          <a:ext cx="0" cy="0"/>
+          <a:chOff x="0" y="0"/>
+          <a:chExt cx="0" cy="0"/>
+        </a:xfrm>
+      </p:grpSpPr>
+      <p:sp>
+        <p:nvSpPr>
+          <p:cNvPr id="2" name="Titre 1"/>
+          <p:cNvSpPr>
+            <a:spLocks noGrp="1"/>
+          </p:cNvSpPr>
+          <p:nvPr>
+            <p:ph type="title"/>
+          </p:nvPr>
+        </p:nvSpPr>
+        <p:spPr/>
+        <p:txBody>
+          <a:bodyPr/>
+          <a:lstStyle/>
+          <a:p>
+            <a:r>
+              <a:rPr lang="fr-FR" dirty="0" smtClean="0"/>
+              <a:t>II. </a:t>
+            </a:r>
+            <a:r>
+              <a:rPr lang="fr-FR" smtClean="0"/>
+              <a:t>Apprendre de ses erreurs</a:t>
+            </a:r>
+            <a:endParaRPr lang="fr-FR"/>
+          </a:p>
+        </p:txBody>
+      </p:sp>
+      <p:sp>
+        <p:nvSpPr>
+          <p:cNvPr id="3" name="Espace réservé du contenu 2"/>
+          <p:cNvSpPr>
+            <a:spLocks noGrp="1"/>
+          </p:cNvSpPr>
+          <p:nvPr>
+            <p:ph idx="1"/>
+          </p:nvPr>
+        </p:nvSpPr>
+        <p:spPr/>
+        <p:txBody>
+          <a:bodyPr/>
+          <a:lstStyle/>
+          <a:p>
+            <a:endParaRPr lang="fr-FR"/>
+          </a:p>
+        </p:txBody>
+      </p:sp>
+    </p:spTree>
+    <p:extLst>
+      <p:ext uri="{BB962C8B-B14F-4D97-AF65-F5344CB8AC3E}">
+        <p14:creationId xmlns:p14="http://schemas.microsoft.com/office/powerpoint/2010/main" val="3797477862"/>
+      </p:ext>
+    </p:extLst>
+  </p:cSld>
+  <p:clrMapOvr>
+    <a:masterClrMapping/>
+  </p:clrMapOvr>
 </p:sld>
 </file>
 

--- a/Diaporama.pptx
+++ b/Diaporama.pptx
@@ -9,6 +9,9 @@
     <p:sldId id="258" r:id="rId3"/>
     <p:sldId id="257" r:id="rId4"/>
     <p:sldId id="259" r:id="rId5"/>
+    <p:sldId id="260" r:id="rId6"/>
+    <p:sldId id="261" r:id="rId7"/>
+    <p:sldId id="262" r:id="rId8"/>
   </p:sldIdLst>
   <p:sldSz cx="12192000" cy="6858000"/>
   <p:notesSz cx="6858000" cy="9144000"/>
@@ -3402,14 +3405,17 @@
         </p:nvSpPr>
         <p:spPr/>
         <p:txBody>
-          <a:bodyPr/>
-          <a:lstStyle/>
-          <a:p>
-            <a:r>
-              <a:rPr lang="fr-FR" dirty="0" smtClean="0"/>
+          <a:bodyPr>
+            <a:normAutofit/>
+          </a:bodyPr>
+          <a:lstStyle/>
+          <a:p>
+            <a:pPr algn="ctr"/>
+            <a:r>
+              <a:rPr lang="fr-FR" sz="5400" dirty="0" smtClean="0"/>
               <a:t>Introduction</a:t>
             </a:r>
-            <a:endParaRPr lang="fr-FR" dirty="0"/>
+            <a:endParaRPr lang="fr-FR" sz="5400" dirty="0"/>
           </a:p>
         </p:txBody>
       </p:sp>
@@ -3479,7 +3485,7 @@
           <a:p>
             <a:r>
               <a:rPr lang="fr-FR" dirty="0" smtClean="0"/>
-              <a:t>I. Une démarche tournée vers l’efficacité</a:t>
+              <a:t>I. Une démarche visant le gain de temps</a:t>
             </a:r>
             <a:endParaRPr lang="fr-FR" dirty="0"/>
           </a:p>
@@ -3558,13 +3564,9 @@
           <a:p>
             <a:r>
               <a:rPr lang="fr-FR" dirty="0" smtClean="0"/>
-              <a:t>II. </a:t>
-            </a:r>
-            <a:r>
-              <a:rPr lang="fr-FR" smtClean="0"/>
-              <a:t>Apprendre de ses erreurs</a:t>
-            </a:r>
-            <a:endParaRPr lang="fr-FR"/>
+              <a:t>II. Apprendre de ses erreurs</a:t>
+            </a:r>
+            <a:endParaRPr lang="fr-FR" dirty="0"/>
           </a:p>
         </p:txBody>
       </p:sp>
@@ -3591,6 +3593,229 @@
     <p:extLst>
       <p:ext uri="{BB962C8B-B14F-4D97-AF65-F5344CB8AC3E}">
         <p14:creationId xmlns:p14="http://schemas.microsoft.com/office/powerpoint/2010/main" val="3797477862"/>
+      </p:ext>
+    </p:extLst>
+  </p:cSld>
+  <p:clrMapOvr>
+    <a:masterClrMapping/>
+  </p:clrMapOvr>
+</p:sld>
+</file>
+
+<file path=ppt/slides/slide5.xml><?xml version="1.0" encoding="utf-8"?>
+<p:sld xmlns:a="http://schemas.openxmlformats.org/drawingml/2006/main" xmlns:r="http://schemas.openxmlformats.org/officeDocument/2006/relationships" xmlns:p="http://schemas.openxmlformats.org/presentationml/2006/main">
+  <p:cSld>
+    <p:spTree>
+      <p:nvGrpSpPr>
+        <p:cNvPr id="1" name=""/>
+        <p:cNvGrpSpPr/>
+        <p:nvPr/>
+      </p:nvGrpSpPr>
+      <p:grpSpPr>
+        <a:xfrm>
+          <a:off x="0" y="0"/>
+          <a:ext cx="0" cy="0"/>
+          <a:chOff x="0" y="0"/>
+          <a:chExt cx="0" cy="0"/>
+        </a:xfrm>
+      </p:grpSpPr>
+      <p:sp>
+        <p:nvSpPr>
+          <p:cNvPr id="2" name="Titre 1"/>
+          <p:cNvSpPr>
+            <a:spLocks noGrp="1"/>
+          </p:cNvSpPr>
+          <p:nvPr>
+            <p:ph type="title"/>
+          </p:nvPr>
+        </p:nvSpPr>
+        <p:spPr/>
+        <p:txBody>
+          <a:bodyPr>
+            <a:normAutofit/>
+          </a:bodyPr>
+          <a:lstStyle/>
+          <a:p>
+            <a:r>
+              <a:rPr lang="fr-FR" sz="4000" dirty="0" smtClean="0"/>
+              <a:t>III. Une cohésion et une organisation renforcée</a:t>
+            </a:r>
+            <a:endParaRPr lang="fr-FR" sz="4000" dirty="0"/>
+          </a:p>
+        </p:txBody>
+      </p:sp>
+      <p:sp>
+        <p:nvSpPr>
+          <p:cNvPr id="3" name="Espace réservé du contenu 2"/>
+          <p:cNvSpPr>
+            <a:spLocks noGrp="1"/>
+          </p:cNvSpPr>
+          <p:nvPr>
+            <p:ph idx="1"/>
+          </p:nvPr>
+        </p:nvSpPr>
+        <p:spPr/>
+        <p:txBody>
+          <a:bodyPr/>
+          <a:lstStyle/>
+          <a:p>
+            <a:endParaRPr lang="fr-FR"/>
+          </a:p>
+        </p:txBody>
+      </p:sp>
+    </p:spTree>
+    <p:extLst>
+      <p:ext uri="{BB962C8B-B14F-4D97-AF65-F5344CB8AC3E}">
+        <p14:creationId xmlns:p14="http://schemas.microsoft.com/office/powerpoint/2010/main" val="3998665110"/>
+      </p:ext>
+    </p:extLst>
+  </p:cSld>
+  <p:clrMapOvr>
+    <a:masterClrMapping/>
+  </p:clrMapOvr>
+</p:sld>
+</file>
+
+<file path=ppt/slides/slide6.xml><?xml version="1.0" encoding="utf-8"?>
+<p:sld xmlns:a="http://schemas.openxmlformats.org/drawingml/2006/main" xmlns:r="http://schemas.openxmlformats.org/officeDocument/2006/relationships" xmlns:p="http://schemas.openxmlformats.org/presentationml/2006/main">
+  <p:cSld>
+    <p:spTree>
+      <p:nvGrpSpPr>
+        <p:cNvPr id="1" name=""/>
+        <p:cNvGrpSpPr/>
+        <p:nvPr/>
+      </p:nvGrpSpPr>
+      <p:grpSpPr>
+        <a:xfrm>
+          <a:off x="0" y="0"/>
+          <a:ext cx="0" cy="0"/>
+          <a:chOff x="0" y="0"/>
+          <a:chExt cx="0" cy="0"/>
+        </a:xfrm>
+      </p:grpSpPr>
+      <p:sp>
+        <p:nvSpPr>
+          <p:cNvPr id="2" name="Titre 1"/>
+          <p:cNvSpPr>
+            <a:spLocks noGrp="1"/>
+          </p:cNvSpPr>
+          <p:nvPr>
+            <p:ph type="title"/>
+          </p:nvPr>
+        </p:nvSpPr>
+        <p:spPr/>
+        <p:txBody>
+          <a:bodyPr>
+            <a:normAutofit/>
+          </a:bodyPr>
+          <a:lstStyle/>
+          <a:p>
+            <a:r>
+              <a:rPr lang="fr-FR" sz="4000" dirty="0" smtClean="0"/>
+              <a:t>IV. Si nous devions nous y prendre autrement...</a:t>
+            </a:r>
+            <a:endParaRPr lang="fr-FR" sz="4000" dirty="0"/>
+          </a:p>
+        </p:txBody>
+      </p:sp>
+      <p:sp>
+        <p:nvSpPr>
+          <p:cNvPr id="3" name="Espace réservé du contenu 2"/>
+          <p:cNvSpPr>
+            <a:spLocks noGrp="1"/>
+          </p:cNvSpPr>
+          <p:nvPr>
+            <p:ph idx="1"/>
+          </p:nvPr>
+        </p:nvSpPr>
+        <p:spPr/>
+        <p:txBody>
+          <a:bodyPr/>
+          <a:lstStyle/>
+          <a:p>
+            <a:endParaRPr lang="fr-FR"/>
+          </a:p>
+        </p:txBody>
+      </p:sp>
+    </p:spTree>
+    <p:extLst>
+      <p:ext uri="{BB962C8B-B14F-4D97-AF65-F5344CB8AC3E}">
+        <p14:creationId xmlns:p14="http://schemas.microsoft.com/office/powerpoint/2010/main" val="3706325442"/>
+      </p:ext>
+    </p:extLst>
+  </p:cSld>
+  <p:clrMapOvr>
+    <a:masterClrMapping/>
+  </p:clrMapOvr>
+</p:sld>
+</file>
+
+<file path=ppt/slides/slide7.xml><?xml version="1.0" encoding="utf-8"?>
+<p:sld xmlns:a="http://schemas.openxmlformats.org/drawingml/2006/main" xmlns:r="http://schemas.openxmlformats.org/officeDocument/2006/relationships" xmlns:p="http://schemas.openxmlformats.org/presentationml/2006/main">
+  <p:cSld>
+    <p:spTree>
+      <p:nvGrpSpPr>
+        <p:cNvPr id="1" name=""/>
+        <p:cNvGrpSpPr/>
+        <p:nvPr/>
+      </p:nvGrpSpPr>
+      <p:grpSpPr>
+        <a:xfrm>
+          <a:off x="0" y="0"/>
+          <a:ext cx="0" cy="0"/>
+          <a:chOff x="0" y="0"/>
+          <a:chExt cx="0" cy="0"/>
+        </a:xfrm>
+      </p:grpSpPr>
+      <p:sp>
+        <p:nvSpPr>
+          <p:cNvPr id="2" name="Titre 1"/>
+          <p:cNvSpPr>
+            <a:spLocks noGrp="1"/>
+          </p:cNvSpPr>
+          <p:nvPr>
+            <p:ph type="title"/>
+          </p:nvPr>
+        </p:nvSpPr>
+        <p:spPr/>
+        <p:txBody>
+          <a:bodyPr>
+            <a:normAutofit/>
+          </a:bodyPr>
+          <a:lstStyle/>
+          <a:p>
+            <a:pPr algn="ctr"/>
+            <a:r>
+              <a:rPr lang="fr-FR" sz="5400" dirty="0" smtClean="0"/>
+              <a:t>Conclusion</a:t>
+            </a:r>
+            <a:endParaRPr lang="fr-FR" sz="5400" dirty="0"/>
+          </a:p>
+        </p:txBody>
+      </p:sp>
+      <p:sp>
+        <p:nvSpPr>
+          <p:cNvPr id="3" name="Espace réservé du contenu 2"/>
+          <p:cNvSpPr>
+            <a:spLocks noGrp="1"/>
+          </p:cNvSpPr>
+          <p:nvPr>
+            <p:ph idx="1"/>
+          </p:nvPr>
+        </p:nvSpPr>
+        <p:spPr/>
+        <p:txBody>
+          <a:bodyPr/>
+          <a:lstStyle/>
+          <a:p>
+            <a:endParaRPr lang="fr-FR"/>
+          </a:p>
+        </p:txBody>
+      </p:sp>
+    </p:spTree>
+    <p:extLst>
+      <p:ext uri="{BB962C8B-B14F-4D97-AF65-F5344CB8AC3E}">
+        <p14:creationId xmlns:p14="http://schemas.microsoft.com/office/powerpoint/2010/main" val="139698521"/>
       </p:ext>
     </p:extLst>
   </p:cSld>
